--- a/src/main/resources/content/output/Lizards of South America.pptx
+++ b/src/main/resources/content/output/Lizards of South America.pptx
@@ -18611,8 +18611,8 @@
           <a:p>
             <a:r>
               <a:rPr lang="en-US"/>
-              <a:t> South America is home to a remarkable diversity of lizard species, belonging to various families and exhibiting a wide range of morphological and behavioral adaptations.
- This article provides a brief overview of some of the most notable lizard families found in South America, including the Green Iguana (Iguana iguana), a large and charismatic species known for its vibrant green coloration and impressive size.</a:t>
+              <a:t> The diverse lizard families of South America include geckos, anoles, and perching lizards, each contributing to the continent's rich biodiversity.
+ Notable species include the Green Iguana, Redfooted Tortoise, and Amazonian Water Lizard.</a:t>
             </a:r>
           </a:p>
         </p:txBody>
@@ -18727,7 +18727,7 @@
           <a:p>
             <a:r>
               <a:rPr lang="en-US"/>
-              <a:t>The Tepui Lizard (Pristidactylus urichi) is a captivating and unique reptile inhabiting the Tepui plateaus of South America.</a:t>
+              <a:t>South American Lizards</a:t>
             </a:r>
             <a:endParaRPr lang="en-US" dirty="0"/>
           </a:p>
@@ -18797,8 +18797,8 @@
           <a:p>
             <a:r>
               <a:rPr lang="en-US"/>
-              <a:t> The Caiman Lizard is a captivating reptile native to the tropical regions of South America, particularly found in the Amazon Basin and its surrounding areas.
- The Tepui Lizard is a captivating and unique reptile inhabiting the Tepui plateaus of South America.</a:t>
+              <a:t> The Caiman Lizard (Dracaena guianensis) is a captivating reptile native to the tropical regions of South America, particularly found in the Amazon Basin and its surrounding areas.
+ The Tepui Lizard (Pristidactylus urichi) is a captivating and unique reptile inhabiting the Tepui plateaus of South America.</a:t>
             </a:r>
           </a:p>
         </p:txBody>
@@ -19032,9 +19032,8 @@
           <a:p>
             <a:r>
               <a:rPr lang="en-US"/>
-              <a:t> South American lizards, such as the Green Iguana, Caiman Lizard, and Tepui Lizard, are essential components of the continent's rich biodiversity.
- They face various threats, including habitat loss, illegal pet trade, and climate change, which impact their survival and wellbeing.
- Conservation efforts are crucial to safeguarding these captivating creatures and the vital roles they play in their respective ecosystems.</a:t>
+              <a:t> South American lizards, including the Green Iguana, Caiman Lizard, and Tepui Lizard, are fascinating creatures that contribute to the continent's rich biodiversity.
+ However, they face various threats, and conservation efforts are necessary to ensure their longterm protection.</a:t>
             </a:r>
           </a:p>
         </p:txBody>
@@ -19170,10 +19169,9 @@
           <a:p>
             <a:r>
               <a:rPr lang="en-US"/>
-              <a:t> South America is home to an array of lizards, ranging from small geckolike creatures to large monitor lizards.
- These reptiles play a vital role in maintaining ecological balance in their respective habitats.
- However, they are threatened by various factors such as habitat loss, climate change, and illegal trade.
- Responsible research, education, and community involvement are necessary to conserve their habitats and promote their welfare.</a:t>
+              <a:t> South America is home to an impressive diversity of lizards, ranging from small geckolike creatures to large monitor lizards.
+ These reptiles play vital roles in their respective ecosystems, maintaining the delicate balance of nature.
+ However, they face numerous threats, such as habitat loss, climate change, and illegal trade, which necessitate urgent conservation efforts.</a:t>
             </a:r>
           </a:p>
         </p:txBody>
